--- a/卒研発表.pptx
+++ b/卒研発表.pptx
@@ -5,7 +5,7 @@
     <p:sldMasterId id="2147483660" r:id="rId1"/>
   </p:sldMasterIdLst>
   <p:notesMasterIdLst>
-    <p:notesMasterId r:id="rId10"/>
+    <p:notesMasterId r:id="rId12"/>
   </p:notesMasterIdLst>
   <p:sldIdLst>
     <p:sldId id="256" r:id="rId2"/>
@@ -15,7 +15,9 @@
     <p:sldId id="259" r:id="rId6"/>
     <p:sldId id="260" r:id="rId7"/>
     <p:sldId id="266" r:id="rId8"/>
-    <p:sldId id="263" r:id="rId9"/>
+    <p:sldId id="267" r:id="rId9"/>
+    <p:sldId id="268" r:id="rId10"/>
+    <p:sldId id="263" r:id="rId11"/>
   </p:sldIdLst>
   <p:sldSz cx="12192000" cy="6858000"/>
   <p:notesSz cx="6858000" cy="9144000"/>
@@ -314,7 +316,7 @@
           <a:p>
             <a:fld id="{80A97E7E-BA4F-4139-BAB0-7DE5FC162D75}" type="datetimeFigureOut">
               <a:rPr kumimoji="1" lang="ja-JP" altLang="en-US" smtClean="0"/>
-              <a:t>2020/1/21</a:t>
+              <a:t>2020/2/3</a:t>
             </a:fld>
             <a:endParaRPr kumimoji="1" lang="ja-JP" altLang="en-US"/>
           </a:p>
@@ -870,6 +872,90 @@
 </p:notes>
 </file>
 
+<file path=ppt/notesSlides/notesSlide4.xml><?xml version="1.0" encoding="utf-8"?>
+<p:notes xmlns:a="http://schemas.openxmlformats.org/drawingml/2006/main" xmlns:r="http://schemas.openxmlformats.org/officeDocument/2006/relationships" xmlns:p="http://schemas.openxmlformats.org/presentationml/2006/main">
+  <p:cSld>
+    <p:spTree>
+      <p:nvGrpSpPr>
+        <p:cNvPr id="1" name=""/>
+        <p:cNvGrpSpPr/>
+        <p:nvPr/>
+      </p:nvGrpSpPr>
+      <p:grpSpPr>
+        <a:xfrm>
+          <a:off x="0" y="0"/>
+          <a:ext cx="0" cy="0"/>
+          <a:chOff x="0" y="0"/>
+          <a:chExt cx="0" cy="0"/>
+        </a:xfrm>
+      </p:grpSpPr>
+      <p:sp>
+        <p:nvSpPr>
+          <p:cNvPr id="2" name="スライド イメージ プレースホルダー 1"/>
+          <p:cNvSpPr>
+            <a:spLocks noGrp="1" noRot="1" noChangeAspect="1"/>
+          </p:cNvSpPr>
+          <p:nvPr>
+            <p:ph type="sldImg"/>
+          </p:nvPr>
+        </p:nvSpPr>
+        <p:spPr/>
+      </p:sp>
+      <p:sp>
+        <p:nvSpPr>
+          <p:cNvPr id="3" name="ノート プレースホルダー 2"/>
+          <p:cNvSpPr>
+            <a:spLocks noGrp="1"/>
+          </p:cNvSpPr>
+          <p:nvPr>
+            <p:ph type="body" idx="1"/>
+          </p:nvPr>
+        </p:nvSpPr>
+        <p:spPr/>
+        <p:txBody>
+          <a:bodyPr/>
+          <a:lstStyle/>
+          <a:p>
+            <a:endParaRPr kumimoji="1" lang="ja-JP" altLang="en-US"/>
+          </a:p>
+        </p:txBody>
+      </p:sp>
+      <p:sp>
+        <p:nvSpPr>
+          <p:cNvPr id="4" name="スライド番号プレースホルダー 3"/>
+          <p:cNvSpPr>
+            <a:spLocks noGrp="1"/>
+          </p:cNvSpPr>
+          <p:nvPr>
+            <p:ph type="sldNum" sz="quarter" idx="5"/>
+          </p:nvPr>
+        </p:nvSpPr>
+        <p:spPr/>
+        <p:txBody>
+          <a:bodyPr/>
+          <a:lstStyle/>
+          <a:p>
+            <a:fld id="{C76C769A-2961-427B-A6D6-EFF46F5CC20B}" type="slidenum">
+              <a:rPr kumimoji="1" lang="ja-JP" altLang="en-US" smtClean="0"/>
+              <a:t>10</a:t>
+            </a:fld>
+            <a:endParaRPr kumimoji="1" lang="ja-JP" altLang="en-US"/>
+          </a:p>
+        </p:txBody>
+      </p:sp>
+    </p:spTree>
+    <p:extLst>
+      <p:ext uri="{BB962C8B-B14F-4D97-AF65-F5344CB8AC3E}">
+        <p14:creationId xmlns:p14="http://schemas.microsoft.com/office/powerpoint/2010/main" val="2537330568"/>
+      </p:ext>
+    </p:extLst>
+  </p:cSld>
+  <p:clrMapOvr>
+    <a:masterClrMapping/>
+  </p:clrMapOvr>
+</p:notes>
+</file>
+
 <file path=ppt/slideLayouts/slideLayout1.xml><?xml version="1.0" encoding="utf-8"?>
 <p:sldLayout xmlns:a="http://schemas.openxmlformats.org/drawingml/2006/main" xmlns:r="http://schemas.openxmlformats.org/officeDocument/2006/relationships" xmlns:p="http://schemas.openxmlformats.org/presentationml/2006/main" type="title" preserve="1">
   <p:cSld name="タイトル スライド">
@@ -1058,7 +1144,7 @@
           <a:p>
             <a:fld id="{213E3A13-B134-4BD3-93C7-4DD36E6F9305}" type="datetime1">
               <a:rPr kumimoji="1" lang="ja-JP" altLang="en-US" smtClean="0"/>
-              <a:t>2020/1/21</a:t>
+              <a:t>2020/2/3</a:t>
             </a:fld>
             <a:endParaRPr kumimoji="1" lang="ja-JP" altLang="en-US"/>
           </a:p>
@@ -1396,7 +1482,7 @@
           <a:p>
             <a:fld id="{A2F046FF-5E7A-40C7-B23E-5F9AB6DE95C5}" type="datetime1">
               <a:rPr kumimoji="1" lang="ja-JP" altLang="en-US" smtClean="0"/>
-              <a:t>2020/1/21</a:t>
+              <a:t>2020/2/3</a:t>
             </a:fld>
             <a:endParaRPr kumimoji="1" lang="ja-JP" altLang="en-US"/>
           </a:p>
@@ -1797,7 +1883,7 @@
           <a:p>
             <a:fld id="{9394B7DE-A219-4C28-8674-CC1AFA16E5C3}" type="datetime1">
               <a:rPr kumimoji="1" lang="ja-JP" altLang="en-US" smtClean="0"/>
-              <a:t>2020/1/21</a:t>
+              <a:t>2020/2/3</a:t>
             </a:fld>
             <a:endParaRPr kumimoji="1" lang="ja-JP" altLang="en-US"/>
           </a:p>
@@ -2133,7 +2219,7 @@
           <a:p>
             <a:fld id="{3F2717DC-A5F9-4D0B-B643-956E4A180638}" type="datetime1">
               <a:rPr kumimoji="1" lang="ja-JP" altLang="en-US" smtClean="0"/>
-              <a:t>2020/1/21</a:t>
+              <a:t>2020/2/3</a:t>
             </a:fld>
             <a:endParaRPr kumimoji="1" lang="ja-JP" altLang="en-US"/>
           </a:p>
@@ -2453,7 +2539,7 @@
           <a:p>
             <a:fld id="{83B1552F-749A-4BC0-8F34-E8A4DF486EED}" type="datetime1">
               <a:rPr kumimoji="1" lang="ja-JP" altLang="en-US" smtClean="0"/>
-              <a:t>2020/1/21</a:t>
+              <a:t>2020/2/3</a:t>
             </a:fld>
             <a:endParaRPr kumimoji="1" lang="ja-JP" altLang="en-US"/>
           </a:p>
@@ -2849,7 +2935,7 @@
           <a:p>
             <a:fld id="{C7967545-5901-4432-BC49-23DED1F069F8}" type="datetime1">
               <a:rPr kumimoji="1" lang="ja-JP" altLang="en-US" smtClean="0"/>
-              <a:t>2020/1/21</a:t>
+              <a:t>2020/2/3</a:t>
             </a:fld>
             <a:endParaRPr kumimoji="1" lang="ja-JP" altLang="en-US"/>
           </a:p>
@@ -3138,7 +3224,7 @@
           <a:p>
             <a:fld id="{6F0FC8B7-8B55-411E-9162-6419B97EF824}" type="datetime1">
               <a:rPr kumimoji="1" lang="ja-JP" altLang="en-US" smtClean="0"/>
-              <a:t>2020/1/21</a:t>
+              <a:t>2020/2/3</a:t>
             </a:fld>
             <a:endParaRPr kumimoji="1" lang="ja-JP" altLang="en-US"/>
           </a:p>
@@ -3432,7 +3518,7 @@
           <a:p>
             <a:fld id="{6C7AC2A2-C048-4B5E-8C8B-2DC82415AFF1}" type="datetime1">
               <a:rPr kumimoji="1" lang="ja-JP" altLang="en-US" smtClean="0"/>
-              <a:t>2020/1/21</a:t>
+              <a:t>2020/2/3</a:t>
             </a:fld>
             <a:endParaRPr kumimoji="1" lang="ja-JP" altLang="en-US"/>
           </a:p>
@@ -3726,7 +3812,7 @@
           <a:p>
             <a:fld id="{1AFE09C7-A084-4A99-978D-5FCB8B2C7672}" type="datetime1">
               <a:rPr kumimoji="1" lang="ja-JP" altLang="en-US" smtClean="0"/>
-              <a:t>2020/1/21</a:t>
+              <a:t>2020/2/3</a:t>
             </a:fld>
             <a:endParaRPr kumimoji="1" lang="ja-JP" altLang="en-US"/>
           </a:p>
@@ -4055,7 +4141,7 @@
           <a:p>
             <a:fld id="{7EBC03EC-0973-4FC9-812C-39D11D60BDB3}" type="datetime1">
               <a:rPr kumimoji="1" lang="ja-JP" altLang="en-US" smtClean="0"/>
-              <a:t>2020/1/21</a:t>
+              <a:t>2020/2/3</a:t>
             </a:fld>
             <a:endParaRPr kumimoji="1" lang="ja-JP" altLang="en-US"/>
           </a:p>
@@ -4442,7 +4528,7 @@
           <a:p>
             <a:fld id="{782DD7EA-DDE9-4847-AC02-6DFD2B0DD921}" type="datetime1">
               <a:rPr kumimoji="1" lang="ja-JP" altLang="en-US" smtClean="0"/>
-              <a:t>2020/1/21</a:t>
+              <a:t>2020/2/3</a:t>
             </a:fld>
             <a:endParaRPr kumimoji="1" lang="ja-JP" altLang="en-US"/>
           </a:p>
@@ -4963,7 +5049,7 @@
           <a:p>
             <a:fld id="{E8CA6957-F8DF-42B7-A631-22BE741E1E9E}" type="datetime1">
               <a:rPr kumimoji="1" lang="ja-JP" altLang="en-US" smtClean="0"/>
-              <a:t>2020/1/21</a:t>
+              <a:t>2020/2/3</a:t>
             </a:fld>
             <a:endParaRPr kumimoji="1" lang="ja-JP" altLang="en-US"/>
           </a:p>
@@ -5168,7 +5254,7 @@
           <a:p>
             <a:fld id="{08D1D1D5-5A5D-4C42-B38A-37365631E69B}" type="datetime1">
               <a:rPr kumimoji="1" lang="ja-JP" altLang="en-US" smtClean="0"/>
-              <a:t>2020/1/21</a:t>
+              <a:t>2020/2/3</a:t>
             </a:fld>
             <a:endParaRPr kumimoji="1" lang="ja-JP" altLang="en-US"/>
           </a:p>
@@ -5345,7 +5431,7 @@
           <a:p>
             <a:fld id="{3B7E7C85-4222-4BF7-95EF-33BD8F28C25C}" type="datetime1">
               <a:rPr kumimoji="1" lang="ja-JP" altLang="en-US" smtClean="0"/>
-              <a:t>2020/1/21</a:t>
+              <a:t>2020/2/3</a:t>
             </a:fld>
             <a:endParaRPr kumimoji="1" lang="ja-JP" altLang="en-US"/>
           </a:p>
@@ -5710,7 +5796,7 @@
           <a:p>
             <a:fld id="{DF5F6F42-AB9F-42B3-9750-3D80A4A3C4F7}" type="datetime1">
               <a:rPr kumimoji="1" lang="ja-JP" altLang="en-US" smtClean="0"/>
-              <a:t>2020/1/21</a:t>
+              <a:t>2020/2/3</a:t>
             </a:fld>
             <a:endParaRPr kumimoji="1" lang="ja-JP" altLang="en-US"/>
           </a:p>
@@ -6055,7 +6141,7 @@
           <a:p>
             <a:fld id="{8AF3991E-A3E1-4866-AA17-FE90FB5F0DD1}" type="datetime1">
               <a:rPr kumimoji="1" lang="ja-JP" altLang="en-US" smtClean="0"/>
-              <a:t>2020/1/21</a:t>
+              <a:t>2020/2/3</a:t>
             </a:fld>
             <a:endParaRPr kumimoji="1" lang="ja-JP" altLang="en-US"/>
           </a:p>
@@ -8204,7 +8290,7 @@
           <a:p>
             <a:fld id="{656BA055-7830-432E-B8F6-A210E39A5065}" type="datetime1">
               <a:rPr kumimoji="1" lang="ja-JP" altLang="en-US" smtClean="0"/>
-              <a:t>2020/1/21</a:t>
+              <a:t>2020/2/3</a:t>
             </a:fld>
             <a:endParaRPr kumimoji="1" lang="ja-JP" altLang="en-US"/>
           </a:p>
@@ -8863,6 +8949,125 @@
     <p:extLst>
       <p:ext uri="{BB962C8B-B14F-4D97-AF65-F5344CB8AC3E}">
         <p14:creationId xmlns:p14="http://schemas.microsoft.com/office/powerpoint/2010/main" val="3453000662"/>
+      </p:ext>
+    </p:extLst>
+  </p:cSld>
+  <p:clrMapOvr>
+    <a:masterClrMapping/>
+  </p:clrMapOvr>
+</p:sld>
+</file>
+
+<file path=ppt/slides/slide10.xml><?xml version="1.0" encoding="utf-8"?>
+<p:sld xmlns:a="http://schemas.openxmlformats.org/drawingml/2006/main" xmlns:r="http://schemas.openxmlformats.org/officeDocument/2006/relationships" xmlns:p="http://schemas.openxmlformats.org/presentationml/2006/main">
+  <p:cSld>
+    <p:spTree>
+      <p:nvGrpSpPr>
+        <p:cNvPr id="1" name=""/>
+        <p:cNvGrpSpPr/>
+        <p:nvPr/>
+      </p:nvGrpSpPr>
+      <p:grpSpPr>
+        <a:xfrm>
+          <a:off x="0" y="0"/>
+          <a:ext cx="0" cy="0"/>
+          <a:chOff x="0" y="0"/>
+          <a:chExt cx="0" cy="0"/>
+        </a:xfrm>
+      </p:grpSpPr>
+      <p:sp>
+        <p:nvSpPr>
+          <p:cNvPr id="2" name="タイトル 1">
+            <a:extLst>
+              <a:ext uri="{FF2B5EF4-FFF2-40B4-BE49-F238E27FC236}">
+                <a16:creationId xmlns:a16="http://schemas.microsoft.com/office/drawing/2014/main" id="{8F2E16E4-CBBE-4E94-AFAD-9A38C68A6244}"/>
+              </a:ext>
+            </a:extLst>
+          </p:cNvPr>
+          <p:cNvSpPr>
+            <a:spLocks noGrp="1"/>
+          </p:cNvSpPr>
+          <p:nvPr>
+            <p:ph type="title"/>
+          </p:nvPr>
+        </p:nvSpPr>
+        <p:spPr/>
+        <p:txBody>
+          <a:bodyPr>
+            <a:normAutofit/>
+          </a:bodyPr>
+          <a:lstStyle/>
+          <a:p>
+            <a:r>
+              <a:rPr kumimoji="1" lang="ja-JP" altLang="en-US" sz="4800" dirty="0"/>
+              <a:t>今後の課題</a:t>
+            </a:r>
+          </a:p>
+        </p:txBody>
+      </p:sp>
+      <p:sp>
+        <p:nvSpPr>
+          <p:cNvPr id="3" name="コンテンツ プレースホルダー 2">
+            <a:extLst>
+              <a:ext uri="{FF2B5EF4-FFF2-40B4-BE49-F238E27FC236}">
+                <a16:creationId xmlns:a16="http://schemas.microsoft.com/office/drawing/2014/main" id="{66E1698C-54A2-4A60-A485-CFB498243992}"/>
+              </a:ext>
+            </a:extLst>
+          </p:cNvPr>
+          <p:cNvSpPr>
+            <a:spLocks noGrp="1"/>
+          </p:cNvSpPr>
+          <p:nvPr>
+            <p:ph idx="1"/>
+          </p:nvPr>
+        </p:nvSpPr>
+        <p:spPr/>
+        <p:txBody>
+          <a:bodyPr>
+            <a:normAutofit/>
+          </a:bodyPr>
+          <a:lstStyle/>
+          <a:p>
+            <a:r>
+              <a:rPr kumimoji="1" lang="ja-JP" altLang="en-US" sz="4000" dirty="0"/>
+              <a:t>あ</a:t>
+            </a:r>
+          </a:p>
+        </p:txBody>
+      </p:sp>
+      <p:sp>
+        <p:nvSpPr>
+          <p:cNvPr id="4" name="スライド番号プレースホルダー 3">
+            <a:extLst>
+              <a:ext uri="{FF2B5EF4-FFF2-40B4-BE49-F238E27FC236}">
+                <a16:creationId xmlns:a16="http://schemas.microsoft.com/office/drawing/2014/main" id="{53E36951-5DDA-4B6E-9FBF-5EDDDF316350}"/>
+              </a:ext>
+            </a:extLst>
+          </p:cNvPr>
+          <p:cNvSpPr>
+            <a:spLocks noGrp="1"/>
+          </p:cNvSpPr>
+          <p:nvPr>
+            <p:ph type="sldNum" sz="quarter" idx="12"/>
+          </p:nvPr>
+        </p:nvSpPr>
+        <p:spPr/>
+        <p:txBody>
+          <a:bodyPr/>
+          <a:lstStyle/>
+          <a:p>
+            <a:fld id="{B3691BCB-4059-41CC-B14D-F86F2FE9ADC5}" type="slidenum">
+              <a:rPr kumimoji="1" lang="ja-JP" altLang="en-US" smtClean="0"/>
+              <a:t>10</a:t>
+            </a:fld>
+            <a:endParaRPr kumimoji="1" lang="ja-JP" altLang="en-US"/>
+          </a:p>
+        </p:txBody>
+      </p:sp>
+    </p:spTree>
+    <p:extLst>
+      <p:ext uri="{BB962C8B-B14F-4D97-AF65-F5344CB8AC3E}">
+        <p14:creationId xmlns:p14="http://schemas.microsoft.com/office/powerpoint/2010/main" val="1565585042"/>
       </p:ext>
     </p:extLst>
   </p:cSld>
@@ -12806,7 +13011,7 @@
           <a:p>
             <a:r>
               <a:rPr kumimoji="1" lang="ja-JP" altLang="en-US" sz="4800" dirty="0"/>
-              <a:t>アナログのカンバンゲームの問題点</a:t>
+              <a:t>カンバンゲームの問題点</a:t>
             </a:r>
           </a:p>
         </p:txBody>
@@ -13811,10 +14016,39 @@
       </p:grpSpPr>
       <p:sp>
         <p:nvSpPr>
-          <p:cNvPr id="2" name="タイトル 1">
+          <p:cNvPr id="4" name="スライド番号プレースホルダー 3">
             <a:extLst>
               <a:ext uri="{FF2B5EF4-FFF2-40B4-BE49-F238E27FC236}">
-                <a16:creationId xmlns:a16="http://schemas.microsoft.com/office/drawing/2014/main" id="{8F2E16E4-CBBE-4E94-AFAD-9A38C68A6244}"/>
+                <a16:creationId xmlns:a16="http://schemas.microsoft.com/office/drawing/2014/main" id="{D725B824-971F-484D-9060-3B2F9115B18E}"/>
+              </a:ext>
+            </a:extLst>
+          </p:cNvPr>
+          <p:cNvSpPr>
+            <a:spLocks noGrp="1"/>
+          </p:cNvSpPr>
+          <p:nvPr>
+            <p:ph type="sldNum" sz="quarter" idx="12"/>
+          </p:nvPr>
+        </p:nvSpPr>
+        <p:spPr/>
+        <p:txBody>
+          <a:bodyPr/>
+          <a:lstStyle/>
+          <a:p>
+            <a:fld id="{B3691BCB-4059-41CC-B14D-F86F2FE9ADC5}" type="slidenum">
+              <a:rPr kumimoji="1" lang="ja-JP" altLang="en-US" smtClean="0"/>
+              <a:t>8</a:t>
+            </a:fld>
+            <a:endParaRPr kumimoji="1" lang="ja-JP" altLang="en-US"/>
+          </a:p>
+        </p:txBody>
+      </p:sp>
+      <p:sp>
+        <p:nvSpPr>
+          <p:cNvPr id="5" name="タイトル 1">
+            <a:extLst>
+              <a:ext uri="{FF2B5EF4-FFF2-40B4-BE49-F238E27FC236}">
+                <a16:creationId xmlns:a16="http://schemas.microsoft.com/office/drawing/2014/main" id="{DCE82F76-0DB3-4BCA-A5AF-7D10B95025F1}"/>
               </a:ext>
             </a:extLst>
           </p:cNvPr>
@@ -13825,7 +14059,12 @@
             <p:ph type="title"/>
           </p:nvPr>
         </p:nvSpPr>
-        <p:spPr/>
+        <p:spPr>
+          <a:xfrm>
+            <a:off x="2592925" y="624110"/>
+            <a:ext cx="8911687" cy="1280890"/>
+          </a:xfrm>
+        </p:spPr>
         <p:txBody>
           <a:bodyPr>
             <a:normAutofit/>
@@ -13833,9 +14072,69 @@
           <a:lstStyle/>
           <a:p>
             <a:r>
-              <a:rPr kumimoji="1" lang="ja-JP" altLang="en-US" sz="4800" dirty="0"/>
-              <a:t>今後の課題</a:t>
-            </a:r>
+              <a:rPr lang="ja-JP" altLang="en-US" sz="4800" dirty="0"/>
+              <a:t>実験結果</a:t>
+            </a:r>
+            <a:endParaRPr kumimoji="1" lang="ja-JP" altLang="en-US" sz="4800" dirty="0"/>
+          </a:p>
+        </p:txBody>
+      </p:sp>
+    </p:spTree>
+    <p:extLst>
+      <p:ext uri="{BB962C8B-B14F-4D97-AF65-F5344CB8AC3E}">
+        <p14:creationId xmlns:p14="http://schemas.microsoft.com/office/powerpoint/2010/main" val="4144190074"/>
+      </p:ext>
+    </p:extLst>
+  </p:cSld>
+  <p:clrMapOvr>
+    <a:masterClrMapping/>
+  </p:clrMapOvr>
+</p:sld>
+</file>
+
+<file path=ppt/slides/slide9.xml><?xml version="1.0" encoding="utf-8"?>
+<p:sld xmlns:a="http://schemas.openxmlformats.org/drawingml/2006/main" xmlns:r="http://schemas.openxmlformats.org/officeDocument/2006/relationships" xmlns:p="http://schemas.openxmlformats.org/presentationml/2006/main">
+  <p:cSld>
+    <p:spTree>
+      <p:nvGrpSpPr>
+        <p:cNvPr id="1" name=""/>
+        <p:cNvGrpSpPr/>
+        <p:nvPr/>
+      </p:nvGrpSpPr>
+      <p:grpSpPr>
+        <a:xfrm>
+          <a:off x="0" y="0"/>
+          <a:ext cx="0" cy="0"/>
+          <a:chOff x="0" y="0"/>
+          <a:chExt cx="0" cy="0"/>
+        </a:xfrm>
+      </p:grpSpPr>
+      <p:sp>
+        <p:nvSpPr>
+          <p:cNvPr id="2" name="タイトル 1">
+            <a:extLst>
+              <a:ext uri="{FF2B5EF4-FFF2-40B4-BE49-F238E27FC236}">
+                <a16:creationId xmlns:a16="http://schemas.microsoft.com/office/drawing/2014/main" id="{EBC7CF12-2716-487B-818A-004F38D75E4E}"/>
+              </a:ext>
+            </a:extLst>
+          </p:cNvPr>
+          <p:cNvSpPr>
+            <a:spLocks noGrp="1"/>
+          </p:cNvSpPr>
+          <p:nvPr>
+            <p:ph type="title"/>
+          </p:nvPr>
+        </p:nvSpPr>
+        <p:spPr/>
+        <p:txBody>
+          <a:bodyPr/>
+          <a:lstStyle/>
+          <a:p>
+            <a:r>
+              <a:rPr lang="ja-JP" altLang="en-US" dirty="0"/>
+              <a:t>実験結果の考察</a:t>
+            </a:r>
+            <a:endParaRPr kumimoji="1" lang="ja-JP" altLang="en-US" dirty="0"/>
           </a:p>
         </p:txBody>
       </p:sp>
@@ -13844,7 +14143,7 @@
           <p:cNvPr id="3" name="コンテンツ プレースホルダー 2">
             <a:extLst>
               <a:ext uri="{FF2B5EF4-FFF2-40B4-BE49-F238E27FC236}">
-                <a16:creationId xmlns:a16="http://schemas.microsoft.com/office/drawing/2014/main" id="{66E1698C-54A2-4A60-A485-CFB498243992}"/>
+                <a16:creationId xmlns:a16="http://schemas.microsoft.com/office/drawing/2014/main" id="{4F91C8C0-4C73-42D4-BEEE-36FF406C15B6}"/>
               </a:ext>
             </a:extLst>
           </p:cNvPr>
@@ -13857,33 +14156,10 @@
         </p:nvSpPr>
         <p:spPr/>
         <p:txBody>
-          <a:bodyPr>
-            <a:normAutofit/>
-          </a:bodyPr>
+          <a:bodyPr/>
           <a:lstStyle/>
           <a:p>
-            <a:r>
-              <a:rPr kumimoji="1" lang="ja-JP" altLang="en-US" sz="4000" dirty="0"/>
-              <a:t>ゲーム終了時進捗記録表の表示。</a:t>
-            </a:r>
-            <a:endParaRPr kumimoji="1" lang="en-US" altLang="ja-JP" sz="4000" dirty="0"/>
-          </a:p>
-          <a:p>
-            <a:r>
-              <a:rPr lang="en-US" altLang="ja-JP" sz="4000" dirty="0"/>
-              <a:t>Ready</a:t>
-            </a:r>
-            <a:r>
-              <a:rPr lang="ja-JP" altLang="en-US" sz="4000" dirty="0"/>
-              <a:t>（待ち時間）の作成</a:t>
-            </a:r>
-            <a:endParaRPr lang="en-US" altLang="ja-JP" sz="4000" dirty="0"/>
-          </a:p>
-          <a:p>
-            <a:r>
-              <a:rPr kumimoji="1" lang="ja-JP" altLang="en-US" sz="4000" dirty="0"/>
-              <a:t>タスクの依存関係による操作制限</a:t>
-            </a:r>
+            <a:endParaRPr kumimoji="1" lang="ja-JP" altLang="en-US"/>
           </a:p>
         </p:txBody>
       </p:sp>
@@ -13892,7 +14168,7 @@
           <p:cNvPr id="4" name="スライド番号プレースホルダー 3">
             <a:extLst>
               <a:ext uri="{FF2B5EF4-FFF2-40B4-BE49-F238E27FC236}">
-                <a16:creationId xmlns:a16="http://schemas.microsoft.com/office/drawing/2014/main" id="{53E36951-5DDA-4B6E-9FBF-5EDDDF316350}"/>
+                <a16:creationId xmlns:a16="http://schemas.microsoft.com/office/drawing/2014/main" id="{EEA66C18-5AFF-4896-A741-8317926CF242}"/>
               </a:ext>
             </a:extLst>
           </p:cNvPr>
@@ -13910,7 +14186,7 @@
           <a:p>
             <a:fld id="{B3691BCB-4059-41CC-B14D-F86F2FE9ADC5}" type="slidenum">
               <a:rPr kumimoji="1" lang="ja-JP" altLang="en-US" smtClean="0"/>
-              <a:t>8</a:t>
+              <a:t>9</a:t>
             </a:fld>
             <a:endParaRPr kumimoji="1" lang="ja-JP" altLang="en-US"/>
           </a:p>
@@ -13919,7 +14195,7 @@
     </p:spTree>
     <p:extLst>
       <p:ext uri="{BB962C8B-B14F-4D97-AF65-F5344CB8AC3E}">
-        <p14:creationId xmlns:p14="http://schemas.microsoft.com/office/powerpoint/2010/main" val="1565585042"/>
+        <p14:creationId xmlns:p14="http://schemas.microsoft.com/office/powerpoint/2010/main" val="4062554053"/>
       </p:ext>
     </p:extLst>
   </p:cSld>

--- a/卒研発表.pptx
+++ b/卒研発表.pptx
@@ -738,6 +738,109 @@
               <a:rPr kumimoji="1" lang="ja-JP" altLang="en-US" dirty="0"/>
               <a:t>（作者がカンバンゲームがで学んでほしこと、）カンバンゲームのルールなどを説明（、進捗記録表の説明）</a:t>
             </a:r>
+            <a:endParaRPr kumimoji="1" lang="en-US" altLang="ja-JP" dirty="0"/>
+          </a:p>
+          <a:p>
+            <a:endParaRPr kumimoji="1" lang="en-US" altLang="ja-JP" dirty="0"/>
+          </a:p>
+          <a:p>
+            <a:r>
+              <a:rPr kumimoji="1" lang="ja-JP" altLang="ja-JP" sz="1200" kern="1200" dirty="0">
+                <a:solidFill>
+                  <a:schemeClr val="tx1"/>
+                </a:solidFill>
+                <a:effectLst/>
+                <a:latin typeface="+mn-lt"/>
+                <a:ea typeface="+mn-ea"/>
+                <a:cs typeface="+mn-cs"/>
+              </a:rPr>
+              <a:t>このゲームを通じてカンバンボードの使い方や作業の見える化，チームで問題について話し合うことの重要性を理解し，経験することを想定している．カンバンゲームではまず実際のカンバンを用意する．カンバンの</a:t>
+            </a:r>
+            <a:r>
+              <a:rPr kumimoji="1" lang="en-US" altLang="ja-JP" sz="1200" kern="1200" dirty="0" err="1">
+                <a:solidFill>
+                  <a:schemeClr val="tx1"/>
+                </a:solidFill>
+                <a:effectLst/>
+                <a:latin typeface="+mn-lt"/>
+                <a:ea typeface="+mn-ea"/>
+                <a:cs typeface="+mn-cs"/>
+              </a:rPr>
+              <a:t>ToDo</a:t>
+            </a:r>
+            <a:r>
+              <a:rPr kumimoji="1" lang="ja-JP" altLang="ja-JP" sz="1200" kern="1200" dirty="0">
+                <a:solidFill>
+                  <a:schemeClr val="tx1"/>
+                </a:solidFill>
+                <a:effectLst/>
+                <a:latin typeface="+mn-lt"/>
+                <a:ea typeface="+mn-ea"/>
+                <a:cs typeface="+mn-cs"/>
+              </a:rPr>
+              <a:t>にゲーム用に準備した仮想のタスクを</a:t>
+            </a:r>
+            <a:r>
+              <a:rPr kumimoji="1" lang="en-US" altLang="ja-JP" sz="1200" kern="1200" dirty="0">
+                <a:solidFill>
+                  <a:schemeClr val="tx1"/>
+                </a:solidFill>
+                <a:effectLst/>
+                <a:latin typeface="+mn-lt"/>
+                <a:ea typeface="+mn-ea"/>
+                <a:cs typeface="+mn-cs"/>
+              </a:rPr>
+              <a:t>10</a:t>
+            </a:r>
+            <a:r>
+              <a:rPr kumimoji="1" lang="ja-JP" altLang="ja-JP" sz="1200" kern="1200" dirty="0">
+                <a:solidFill>
+                  <a:schemeClr val="tx1"/>
+                </a:solidFill>
+                <a:effectLst/>
+                <a:latin typeface="+mn-lt"/>
+                <a:ea typeface="+mn-ea"/>
+                <a:cs typeface="+mn-cs"/>
+              </a:rPr>
+              <a:t>枚張り付ける．参加者は順番に自分が実施するタスクを選択し，サイコロを振る．各タスクには次のエリアに移行するために必要な工数が数値として記述されており，参加者はサイコロの出た目を必要工数から引いていき，</a:t>
+            </a:r>
+            <a:r>
+              <a:rPr kumimoji="1" lang="en-US" altLang="ja-JP" sz="1200" kern="1200" dirty="0">
+                <a:solidFill>
+                  <a:schemeClr val="tx1"/>
+                </a:solidFill>
+                <a:effectLst/>
+                <a:latin typeface="+mn-lt"/>
+                <a:ea typeface="+mn-ea"/>
+                <a:cs typeface="+mn-cs"/>
+              </a:rPr>
+              <a:t>0</a:t>
+            </a:r>
+            <a:r>
+              <a:rPr kumimoji="1" lang="ja-JP" altLang="ja-JP" sz="1200" kern="1200" dirty="0">
+                <a:solidFill>
+                  <a:schemeClr val="tx1"/>
+                </a:solidFill>
+                <a:effectLst/>
+                <a:latin typeface="+mn-lt"/>
+                <a:ea typeface="+mn-ea"/>
+                <a:cs typeface="+mn-cs"/>
+              </a:rPr>
+              <a:t>になった時点でそのタスクを移行することができる．ゲーム中には，タスクの遂行を加速したり，トラブルが発生して逆に停滞させるようなイベントが発生することもあり，その都度参加者はチーム内で相談して問題を解決していく．ゲーム終了後には振り返りができるよう，事前に決めておいた記録係が進捗記録表を作成する．</a:t>
+            </a:r>
+            <a:r>
+              <a:rPr kumimoji="1" lang="en-US" altLang="ja-JP" sz="1200" kern="1200" dirty="0">
+                <a:solidFill>
+                  <a:schemeClr val="tx1"/>
+                </a:solidFill>
+                <a:effectLst/>
+                <a:latin typeface="+mn-lt"/>
+                <a:ea typeface="+mn-ea"/>
+                <a:cs typeface="+mn-cs"/>
+              </a:rPr>
+              <a:t> </a:t>
+            </a:r>
+            <a:endParaRPr kumimoji="1" lang="ja-JP" altLang="en-US" dirty="0"/>
           </a:p>
         </p:txBody>
       </p:sp>
@@ -12562,8 +12665,8 @@
         </p:nvSpPr>
         <p:spPr>
           <a:xfrm>
-            <a:off x="649225" y="1671961"/>
-            <a:ext cx="3603179" cy="4895539"/>
+            <a:off x="606423" y="1579899"/>
+            <a:ext cx="4497864" cy="4895539"/>
           </a:xfrm>
         </p:spPr>
         <p:txBody>
@@ -12573,20 +12676,24 @@
           <a:lstStyle/>
           <a:p>
             <a:r>
-              <a:rPr lang="ja-JP" altLang="en-US" sz="3500" dirty="0"/>
-              <a:t>タスクボードを使ってチームで</a:t>
-            </a:r>
-            <a:r>
-              <a:rPr lang="ja-JP" altLang="en-US" sz="3700" dirty="0"/>
-              <a:t>仕事を進める手法を学ぶゲームです。</a:t>
-            </a:r>
-            <a:endParaRPr lang="en-US" altLang="ja-JP" sz="3700" dirty="0"/>
-          </a:p>
-          <a:p>
-            <a:endParaRPr kumimoji="1" lang="en-US" altLang="ja-JP" sz="3700" dirty="0"/>
-          </a:p>
-          <a:p>
-            <a:endParaRPr lang="en-US" altLang="ja-JP" dirty="0"/>
+              <a:rPr lang="ja-JP" altLang="ja-JP" sz="4000" dirty="0"/>
+              <a:t>実際のカンバンボードを用いた疑似的なタスク管理を複数人で体験できる</a:t>
+            </a:r>
+            <a:endParaRPr lang="en-US" altLang="ja-JP" sz="4000" dirty="0"/>
+          </a:p>
+          <a:p>
+            <a:pPr marL="0" indent="0">
+              <a:buNone/>
+            </a:pPr>
+            <a:r>
+              <a:rPr lang="ja-JP" altLang="en-US" sz="4000" dirty="0"/>
+              <a:t>   </a:t>
+            </a:r>
+            <a:r>
+              <a:rPr lang="ja-JP" altLang="ja-JP" sz="4000" dirty="0"/>
+              <a:t>ゲームである．</a:t>
+            </a:r>
+            <a:endParaRPr lang="en-US" altLang="ja-JP" sz="4000" dirty="0"/>
           </a:p>
           <a:p>
             <a:pPr marL="0" indent="0">
@@ -12635,8 +12742,8 @@
         </p:blipFill>
         <p:spPr>
           <a:xfrm>
-            <a:off x="5045813" y="1338964"/>
-            <a:ext cx="6132326" cy="4632395"/>
+            <a:off x="5749854" y="1425400"/>
+            <a:ext cx="6017905" cy="4545960"/>
           </a:xfrm>
           <a:prstGeom prst="rect">
             <a:avLst/>
@@ -12999,7 +13106,7 @@
         </p:nvSpPr>
         <p:spPr>
           <a:xfrm>
-            <a:off x="2592925" y="624109"/>
+            <a:off x="2440525" y="613517"/>
             <a:ext cx="8911687" cy="1648573"/>
           </a:xfrm>
         </p:spPr>
@@ -13034,7 +13141,7 @@
         </p:nvSpPr>
         <p:spPr>
           <a:xfrm>
-            <a:off x="2589212" y="2932590"/>
+            <a:off x="1938113" y="2864857"/>
             <a:ext cx="8915400" cy="3777622"/>
           </a:xfrm>
         </p:spPr>
@@ -13046,21 +13153,22 @@
           <a:p>
             <a:r>
               <a:rPr kumimoji="1" lang="ja-JP" altLang="en-US" sz="4000" dirty="0"/>
-              <a:t>タスク残量の管理が難しい。</a:t>
+              <a:t>タスク工数の管理</a:t>
             </a:r>
             <a:endParaRPr kumimoji="1" lang="en-US" altLang="ja-JP" sz="4000" dirty="0"/>
           </a:p>
           <a:p>
             <a:r>
               <a:rPr lang="ja-JP" altLang="en-US" sz="4000" dirty="0"/>
-              <a:t>ターン経過の把握が難しい。</a:t>
-            </a:r>
-          </a:p>
-          <a:p>
-            <a:r>
-              <a:rPr kumimoji="1" lang="ja-JP" altLang="en-US" sz="4000" dirty="0"/>
-              <a:t>ゲームの進行に必要な処理に気を取られてゲームに集中できない。</a:t>
-            </a:r>
+              <a:t>進捗記録表の作成</a:t>
+            </a:r>
+          </a:p>
+          <a:p>
+            <a:r>
+              <a:rPr lang="ja-JP" altLang="en-US" sz="4000" dirty="0"/>
+              <a:t>チャンスカードの処理</a:t>
+            </a:r>
+            <a:endParaRPr kumimoji="1" lang="ja-JP" altLang="en-US" sz="4000" dirty="0"/>
           </a:p>
         </p:txBody>
       </p:sp>
@@ -13090,6 +13198,116 @@
               <a:t>4</a:t>
             </a:fld>
             <a:endParaRPr kumimoji="1" lang="ja-JP" altLang="en-US"/>
+          </a:p>
+        </p:txBody>
+      </p:sp>
+      <p:sp>
+        <p:nvSpPr>
+          <p:cNvPr id="5" name="タイトル 1">
+            <a:extLst>
+              <a:ext uri="{FF2B5EF4-FFF2-40B4-BE49-F238E27FC236}">
+                <a16:creationId xmlns:a16="http://schemas.microsoft.com/office/drawing/2014/main" id="{013AEACA-641F-457E-81A9-99CFCE604566}"/>
+              </a:ext>
+            </a:extLst>
+          </p:cNvPr>
+          <p:cNvSpPr txBox="1">
+            <a:spLocks/>
+          </p:cNvSpPr>
+          <p:nvPr/>
+        </p:nvSpPr>
+        <p:spPr>
+          <a:xfrm>
+            <a:off x="1938113" y="1621099"/>
+            <a:ext cx="8911687" cy="1648573"/>
+          </a:xfrm>
+          <a:prstGeom prst="rect">
+            <a:avLst/>
+          </a:prstGeom>
+        </p:spPr>
+        <p:txBody>
+          <a:bodyPr vert="horz" lIns="91440" tIns="45720" rIns="91440" bIns="45720" rtlCol="0" anchor="t">
+            <a:normAutofit/>
+          </a:bodyPr>
+          <a:lstStyle>
+            <a:lvl1pPr algn="l" defTabSz="457200" rtl="0" eaLnBrk="1" latinLnBrk="0" hangingPunct="1">
+              <a:spcBef>
+                <a:spcPct val="0"/>
+              </a:spcBef>
+              <a:buNone/>
+              <a:defRPr kumimoji="1" sz="3600" kern="1200">
+                <a:solidFill>
+                  <a:schemeClr val="tx1">
+                    <a:lumMod val="85000"/>
+                    <a:lumOff val="15000"/>
+                  </a:schemeClr>
+                </a:solidFill>
+                <a:latin typeface="+mj-lt"/>
+                <a:ea typeface="+mj-ea"/>
+                <a:cs typeface="+mj-cs"/>
+              </a:defRPr>
+            </a:lvl1pPr>
+            <a:lvl2pPr eaLnBrk="1" hangingPunct="1">
+              <a:defRPr kumimoji="1">
+                <a:solidFill>
+                  <a:schemeClr val="tx2"/>
+                </a:solidFill>
+              </a:defRPr>
+            </a:lvl2pPr>
+            <a:lvl3pPr eaLnBrk="1" hangingPunct="1">
+              <a:defRPr kumimoji="1">
+                <a:solidFill>
+                  <a:schemeClr val="tx2"/>
+                </a:solidFill>
+              </a:defRPr>
+            </a:lvl3pPr>
+            <a:lvl4pPr eaLnBrk="1" hangingPunct="1">
+              <a:defRPr kumimoji="1">
+                <a:solidFill>
+                  <a:schemeClr val="tx2"/>
+                </a:solidFill>
+              </a:defRPr>
+            </a:lvl4pPr>
+            <a:lvl5pPr eaLnBrk="1" hangingPunct="1">
+              <a:defRPr kumimoji="1">
+                <a:solidFill>
+                  <a:schemeClr val="tx2"/>
+                </a:solidFill>
+              </a:defRPr>
+            </a:lvl5pPr>
+            <a:lvl6pPr eaLnBrk="1" hangingPunct="1">
+              <a:defRPr kumimoji="1">
+                <a:solidFill>
+                  <a:schemeClr val="tx2"/>
+                </a:solidFill>
+              </a:defRPr>
+            </a:lvl6pPr>
+            <a:lvl7pPr eaLnBrk="1" hangingPunct="1">
+              <a:defRPr kumimoji="1">
+                <a:solidFill>
+                  <a:schemeClr val="tx2"/>
+                </a:solidFill>
+              </a:defRPr>
+            </a:lvl7pPr>
+            <a:lvl8pPr eaLnBrk="1" hangingPunct="1">
+              <a:defRPr kumimoji="1">
+                <a:solidFill>
+                  <a:schemeClr val="tx2"/>
+                </a:solidFill>
+              </a:defRPr>
+            </a:lvl8pPr>
+            <a:lvl9pPr eaLnBrk="1" hangingPunct="1">
+              <a:defRPr kumimoji="1">
+                <a:solidFill>
+                  <a:schemeClr val="tx2"/>
+                </a:solidFill>
+              </a:defRPr>
+            </a:lvl9pPr>
+          </a:lstStyle>
+          <a:p>
+            <a:r>
+              <a:rPr lang="ja-JP" altLang="en-US" sz="4400" u="sng" dirty="0"/>
+              <a:t>プレイヤーが行う処理が多い</a:t>
+            </a:r>
           </a:p>
         </p:txBody>
       </p:sp>
